--- a/W1D4Project/Group 2.pptx
+++ b/W1D4Project/Group 2.pptx
@@ -4308,7 +4308,7 @@
       </p:sp>
       <p:pic>
         <p:nvPicPr>
-          <p:cNvPr id="4" name="Content Placeholder 3" descr="SequenceDiagram.jpg"/>
+          <p:cNvPr id="6" name="Content Placeholder 5" descr="SequenceDiagram_NEW.jpg"/>
           <p:cNvPicPr>
             <a:picLocks noGrp="1" noChangeAspect="1"/>
           </p:cNvPicPr>
@@ -4324,8 +4324,8 @@
         </p:blipFill>
         <p:spPr>
           <a:xfrm>
-            <a:off x="228600" y="1066800"/>
-            <a:ext cx="8610600" cy="5791200"/>
+            <a:off x="304800" y="1066800"/>
+            <a:ext cx="8686800" cy="5580127"/>
           </a:xfrm>
         </p:spPr>
       </p:pic>
@@ -4883,13 +4883,8 @@
             </a:r>
             <a:r>
               <a:rPr lang="en-US" dirty="0" smtClean="0"/>
-              <a:t> –Transaction,  Base classes, </a:t>
-            </a:r>
-            <a:r>
-              <a:rPr lang="en-US" dirty="0" smtClean="0"/>
-              <a:t>Checkout</a:t>
-            </a:r>
-            <a:endParaRPr lang="en-US" dirty="0" smtClean="0"/>
+              <a:t> –Transaction,  Base classes, Checkout</a:t>
+            </a:r>
           </a:p>
           <a:p>
             <a:r>

--- a/W1D4Project/Group 2.pptx
+++ b/W1D4Project/Group 2.pptx
@@ -9,10 +9,11 @@
     <p:sldId id="257" r:id="rId3"/>
     <p:sldId id="258" r:id="rId4"/>
     <p:sldId id="259" r:id="rId5"/>
-    <p:sldId id="263" r:id="rId6"/>
-    <p:sldId id="264" r:id="rId7"/>
-    <p:sldId id="265" r:id="rId8"/>
-    <p:sldId id="260" r:id="rId9"/>
+    <p:sldId id="266" r:id="rId6"/>
+    <p:sldId id="263" r:id="rId7"/>
+    <p:sldId id="264" r:id="rId8"/>
+    <p:sldId id="265" r:id="rId9"/>
+    <p:sldId id="260" r:id="rId10"/>
   </p:sldIdLst>
   <p:sldSz cx="9144000" cy="6858000" type="screen4x3"/>
   <p:notesSz cx="6858000" cy="9144000"/>
@@ -4308,7 +4309,7 @@
       </p:sp>
       <p:pic>
         <p:nvPicPr>
-          <p:cNvPr id="6" name="Content Placeholder 5" descr="SequenceDiagram_NEW.jpg"/>
+          <p:cNvPr id="5" name="Content Placeholder 4" descr="SequenceDiagramNEW2.jpg"/>
           <p:cNvPicPr>
             <a:picLocks noGrp="1" noChangeAspect="1"/>
           </p:cNvPicPr>
@@ -4324,8 +4325,8 @@
         </p:blipFill>
         <p:spPr>
           <a:xfrm>
-            <a:off x="304800" y="1066800"/>
-            <a:ext cx="8686800" cy="5580127"/>
+            <a:off x="457200" y="1173604"/>
+            <a:ext cx="8305800" cy="5400234"/>
           </a:xfrm>
         </p:spPr>
       </p:pic>
@@ -4454,14 +4455,19 @@
             <p:ph type="title"/>
           </p:nvPr>
         </p:nvSpPr>
-        <p:spPr/>
+        <p:spPr>
+          <a:xfrm>
+            <a:off x="381000" y="609600"/>
+            <a:ext cx="8229600" cy="1066800"/>
+          </a:xfrm>
+        </p:spPr>
         <p:txBody>
           <a:bodyPr/>
           <a:lstStyle/>
           <a:p>
             <a:r>
               <a:rPr lang="en-US" dirty="0" smtClean="0"/>
-              <a:t>Program Flow</a:t>
+              <a:t>Java Program</a:t>
             </a:r>
             <a:endParaRPr lang="en-US" dirty="0"/>
           </a:p>
@@ -4477,58 +4483,130 @@
             <p:ph idx="1"/>
           </p:nvPr>
         </p:nvSpPr>
-        <p:spPr/>
+        <p:spPr>
+          <a:xfrm>
+            <a:off x="381000" y="1676400"/>
+            <a:ext cx="8229600" cy="4800600"/>
+          </a:xfrm>
+        </p:spPr>
         <p:txBody>
           <a:bodyPr>
-            <a:normAutofit/>
+            <a:normAutofit fontScale="70000" lnSpcReduction="20000"/>
           </a:bodyPr>
           <a:lstStyle/>
           <a:p>
             <a:r>
-              <a:rPr lang="en-US" dirty="0" smtClean="0"/>
-              <a:t>1. Customer </a:t>
+              <a:rPr lang="en-US" sz="3400" dirty="0" smtClean="0"/>
+              <a:t>Transaction Classes:</a:t>
             </a:r>
           </a:p>
           <a:p>
             <a:pPr lvl="1"/>
             <a:r>
-              <a:rPr lang="en-US" dirty="0" smtClean="0"/>
-              <a:t>Register Account</a:t>
+              <a:rPr lang="en-US" sz="2900" dirty="0" smtClean="0"/>
+              <a:t>Transaction (App.java)</a:t>
             </a:r>
           </a:p>
           <a:p>
             <a:pPr lvl="1"/>
             <a:r>
-              <a:rPr lang="en-US" dirty="0" smtClean="0"/>
-              <a:t>Log-In Account</a:t>
-            </a:r>
-          </a:p>
-          <a:p>
-            <a:r>
-              <a:rPr lang="en-US" dirty="0" smtClean="0"/>
-              <a:t>2. Main Menu</a:t>
+              <a:rPr lang="en-US" sz="2900" dirty="0" smtClean="0"/>
+              <a:t>User Log-In</a:t>
+            </a:r>
+          </a:p>
+          <a:p>
+            <a:pPr lvl="2"/>
+            <a:r>
+              <a:rPr lang="en-US" sz="2600" dirty="0" smtClean="0"/>
+              <a:t>Log</a:t>
+            </a:r>
+          </a:p>
+          <a:p>
+            <a:pPr lvl="2"/>
+            <a:r>
+              <a:rPr lang="en-US" sz="2600" dirty="0" smtClean="0"/>
+              <a:t>Register</a:t>
             </a:r>
           </a:p>
           <a:p>
             <a:pPr lvl="1"/>
             <a:r>
-              <a:rPr lang="en-US" dirty="0" smtClean="0"/>
-              <a:t>Pending Order</a:t>
+              <a:rPr lang="en-US" sz="2900" dirty="0" smtClean="0"/>
+              <a:t>Main Menu</a:t>
             </a:r>
           </a:p>
           <a:p>
             <a:pPr lvl="1"/>
             <a:r>
-              <a:rPr lang="en-US" dirty="0" smtClean="0"/>
-              <a:t>Browse Products</a:t>
+              <a:rPr lang="en-US" sz="2900" dirty="0" smtClean="0"/>
+              <a:t>Pending Orders</a:t>
             </a:r>
           </a:p>
           <a:p>
             <a:pPr lvl="1"/>
             <a:r>
-              <a:rPr lang="en-US" dirty="0" smtClean="0"/>
-              <a:t>Logout</a:t>
-            </a:r>
+              <a:rPr lang="en-US" sz="2900" dirty="0" smtClean="0"/>
+              <a:t>Ordering</a:t>
+            </a:r>
+          </a:p>
+          <a:p>
+            <a:pPr lvl="2"/>
+            <a:r>
+              <a:rPr lang="en-US" sz="2600" dirty="0" smtClean="0"/>
+              <a:t>Product List</a:t>
+            </a:r>
+          </a:p>
+          <a:p>
+            <a:pPr lvl="2"/>
+            <a:r>
+              <a:rPr lang="en-US" sz="2600" dirty="0" smtClean="0"/>
+              <a:t>View Order</a:t>
+            </a:r>
+          </a:p>
+          <a:p>
+            <a:pPr lvl="2"/>
+            <a:r>
+              <a:rPr lang="en-US" sz="2600" dirty="0" smtClean="0"/>
+              <a:t>Checkout</a:t>
+            </a:r>
+          </a:p>
+          <a:p>
+            <a:r>
+              <a:rPr lang="en-US" sz="3400" dirty="0" smtClean="0"/>
+              <a:t>Base Classes:</a:t>
+            </a:r>
+          </a:p>
+          <a:p>
+            <a:pPr lvl="1"/>
+            <a:r>
+              <a:rPr lang="en-US" sz="2900" dirty="0" smtClean="0"/>
+              <a:t>Store</a:t>
+            </a:r>
+          </a:p>
+          <a:p>
+            <a:pPr lvl="1"/>
+            <a:r>
+              <a:rPr lang="en-US" sz="2900" dirty="0" smtClean="0"/>
+              <a:t>Order</a:t>
+            </a:r>
+          </a:p>
+          <a:p>
+            <a:pPr lvl="1"/>
+            <a:r>
+              <a:rPr lang="en-US" sz="2900" dirty="0" smtClean="0"/>
+              <a:t>Customer</a:t>
+            </a:r>
+          </a:p>
+          <a:p>
+            <a:pPr lvl="1"/>
+            <a:r>
+              <a:rPr lang="en-US" sz="2900" dirty="0" smtClean="0"/>
+              <a:t>Product</a:t>
+            </a:r>
+          </a:p>
+          <a:p>
+            <a:pPr lvl="1"/>
+            <a:endParaRPr lang="en-US" dirty="0" smtClean="0"/>
           </a:p>
         </p:txBody>
       </p:sp>
@@ -4537,13 +4615,6 @@
   <p:clrMapOvr>
     <a:masterClrMapping/>
   </p:clrMapOvr>
-  <p:timing>
-    <p:tnLst>
-      <p:par>
-        <p:cTn id="1" dur="indefinite" restart="never" nodeType="tmRoot"/>
-      </p:par>
-    </p:tnLst>
-  </p:timing>
 </p:sld>
 </file>
 
@@ -4606,66 +4677,49 @@
           <a:p>
             <a:r>
               <a:rPr lang="en-US" dirty="0" smtClean="0"/>
-              <a:t>3. Pending Order</a:t>
+              <a:t>1. Customer </a:t>
             </a:r>
           </a:p>
           <a:p>
             <a:pPr lvl="1"/>
             <a:r>
               <a:rPr lang="en-US" dirty="0" smtClean="0"/>
-              <a:t>Order Committed</a:t>
+              <a:t>Register Account</a:t>
             </a:r>
           </a:p>
           <a:p>
             <a:pPr lvl="1"/>
             <a:r>
               <a:rPr lang="en-US" dirty="0" smtClean="0"/>
-              <a:t>Delivery out of storage</a:t>
+              <a:t>Log-In Account</a:t>
+            </a:r>
+          </a:p>
+          <a:p>
+            <a:r>
+              <a:rPr lang="en-US" dirty="0" smtClean="0"/>
+              <a:t>2. Main Menu</a:t>
             </a:r>
           </a:p>
           <a:p>
             <a:pPr lvl="1"/>
             <a:r>
               <a:rPr lang="en-US" dirty="0" smtClean="0"/>
-              <a:t>Ready to receive product for user</a:t>
-            </a:r>
-          </a:p>
-          <a:p>
+              <a:t>Pending Order</a:t>
+            </a:r>
+          </a:p>
+          <a:p>
+            <a:pPr lvl="1"/>
             <a:r>
               <a:rPr lang="en-US" dirty="0" smtClean="0"/>
-              <a:t>2. Browse Product</a:t>
+              <a:t>Browse Products</a:t>
             </a:r>
           </a:p>
           <a:p>
             <a:pPr lvl="1"/>
             <a:r>
               <a:rPr lang="en-US" dirty="0" smtClean="0"/>
-              <a:t>Product list</a:t>
-            </a:r>
-          </a:p>
-          <a:p>
-            <a:r>
-              <a:rPr lang="en-US" dirty="0" smtClean="0"/>
-              <a:t>3. Product List</a:t>
-            </a:r>
-          </a:p>
-          <a:p>
-            <a:pPr lvl="1"/>
-            <a:r>
-              <a:rPr lang="en-US" dirty="0" smtClean="0"/>
-              <a:t>Product ID</a:t>
-            </a:r>
-          </a:p>
-          <a:p>
-            <a:pPr lvl="1"/>
-            <a:r>
-              <a:rPr lang="en-US" dirty="0" smtClean="0"/>
-              <a:t>Quantity</a:t>
-            </a:r>
-          </a:p>
-          <a:p>
-            <a:pPr lvl="1"/>
-            <a:endParaRPr lang="en-US" dirty="0" smtClean="0"/>
+              <a:t>Logout</a:t>
+            </a:r>
           </a:p>
         </p:txBody>
       </p:sp>
@@ -4674,6 +4728,13 @@
   <p:clrMapOvr>
     <a:masterClrMapping/>
   </p:clrMapOvr>
+  <p:timing>
+    <p:tnLst>
+      <p:par>
+        <p:cTn id="1" dur="indefinite" restart="never" nodeType="tmRoot"/>
+      </p:par>
+    </p:tnLst>
+  </p:timing>
 </p:sld>
 </file>
 
@@ -4730,74 +4791,67 @@
         <p:spPr/>
         <p:txBody>
           <a:bodyPr>
-            <a:normAutofit fontScale="92500" lnSpcReduction="10000"/>
+            <a:normAutofit/>
           </a:bodyPr>
           <a:lstStyle/>
           <a:p>
             <a:r>
               <a:rPr lang="en-US" dirty="0" smtClean="0"/>
-              <a:t>4. Product List menu</a:t>
+              <a:t>3. Pending Order</a:t>
             </a:r>
           </a:p>
           <a:p>
             <a:pPr lvl="1"/>
             <a:r>
               <a:rPr lang="en-US" dirty="0" smtClean="0"/>
-              <a:t>Order more</a:t>
+              <a:t>Order Committed</a:t>
             </a:r>
           </a:p>
           <a:p>
             <a:pPr lvl="1"/>
             <a:r>
               <a:rPr lang="en-US" dirty="0" smtClean="0"/>
-              <a:t>View Order</a:t>
+              <a:t>Delivery out of storage</a:t>
             </a:r>
           </a:p>
           <a:p>
             <a:pPr lvl="1"/>
             <a:r>
               <a:rPr lang="en-US" dirty="0" smtClean="0"/>
-              <a:t>Reset</a:t>
+              <a:t>Ready to receive product for user</a:t>
+            </a:r>
+          </a:p>
+          <a:p>
+            <a:r>
+              <a:rPr lang="en-US" dirty="0" smtClean="0"/>
+              <a:t>4. Browse Product</a:t>
             </a:r>
           </a:p>
           <a:p>
             <a:pPr lvl="1"/>
             <a:r>
               <a:rPr lang="en-US" dirty="0" smtClean="0"/>
-              <a:t>Back</a:t>
+              <a:t>Product list</a:t>
             </a:r>
           </a:p>
           <a:p>
             <a:r>
               <a:rPr lang="en-US" dirty="0" smtClean="0"/>
-              <a:t>5. View Order</a:t>
+              <a:t>5. Product List</a:t>
             </a:r>
           </a:p>
           <a:p>
             <a:pPr lvl="1"/>
             <a:r>
               <a:rPr lang="en-US" dirty="0" smtClean="0"/>
-              <a:t>Pending Order</a:t>
-            </a:r>
-          </a:p>
-          <a:p>
+              <a:t>Product ID</a:t>
+            </a:r>
+          </a:p>
+          <a:p>
+            <a:pPr lvl="1"/>
             <a:r>
               <a:rPr lang="en-US" dirty="0" smtClean="0"/>
-              <a:t>6. Pending Order</a:t>
-            </a:r>
-          </a:p>
-          <a:p>
-            <a:pPr lvl="1"/>
-            <a:r>
-              <a:rPr lang="en-US" dirty="0" smtClean="0"/>
-              <a:t>Order Committed - Checkout – Payment Success</a:t>
-            </a:r>
-          </a:p>
-          <a:p>
-            <a:pPr lvl="1"/>
-            <a:r>
-              <a:rPr lang="en-US" dirty="0" smtClean="0"/>
-              <a:t>Delivery out of storage – Ready to receive product for user</a:t>
+              <a:t>Quantity</a:t>
             </a:r>
           </a:p>
           <a:p>
@@ -4815,6 +4869,151 @@
 </file>
 
 <file path=ppt/slides/slide8.xml><?xml version="1.0" encoding="utf-8"?>
+<p:sld xmlns:a="http://schemas.openxmlformats.org/drawingml/2006/main" xmlns:r="http://schemas.openxmlformats.org/officeDocument/2006/relationships" xmlns:p="http://schemas.openxmlformats.org/presentationml/2006/main">
+  <p:cSld>
+    <p:spTree>
+      <p:nvGrpSpPr>
+        <p:cNvPr id="1" name=""/>
+        <p:cNvGrpSpPr/>
+        <p:nvPr/>
+      </p:nvGrpSpPr>
+      <p:grpSpPr>
+        <a:xfrm>
+          <a:off x="0" y="0"/>
+          <a:ext cx="0" cy="0"/>
+          <a:chOff x="0" y="0"/>
+          <a:chExt cx="0" cy="0"/>
+        </a:xfrm>
+      </p:grpSpPr>
+      <p:sp>
+        <p:nvSpPr>
+          <p:cNvPr id="2" name="Title 1"/>
+          <p:cNvSpPr>
+            <a:spLocks noGrp="1"/>
+          </p:cNvSpPr>
+          <p:nvPr>
+            <p:ph type="title"/>
+          </p:nvPr>
+        </p:nvSpPr>
+        <p:spPr/>
+        <p:txBody>
+          <a:bodyPr/>
+          <a:lstStyle/>
+          <a:p>
+            <a:r>
+              <a:rPr lang="en-US" dirty="0" smtClean="0"/>
+              <a:t>Program Flow</a:t>
+            </a:r>
+            <a:endParaRPr lang="en-US" dirty="0"/>
+          </a:p>
+        </p:txBody>
+      </p:sp>
+      <p:sp>
+        <p:nvSpPr>
+          <p:cNvPr id="3" name="Content Placeholder 2"/>
+          <p:cNvSpPr>
+            <a:spLocks noGrp="1"/>
+          </p:cNvSpPr>
+          <p:nvPr>
+            <p:ph idx="1"/>
+          </p:nvPr>
+        </p:nvSpPr>
+        <p:spPr/>
+        <p:txBody>
+          <a:bodyPr>
+            <a:normAutofit fontScale="92500" lnSpcReduction="10000"/>
+          </a:bodyPr>
+          <a:lstStyle/>
+          <a:p>
+            <a:r>
+              <a:rPr lang="en-US" dirty="0" smtClean="0"/>
+              <a:t>6. Product List menu</a:t>
+            </a:r>
+          </a:p>
+          <a:p>
+            <a:pPr lvl="1"/>
+            <a:r>
+              <a:rPr lang="en-US" dirty="0" smtClean="0"/>
+              <a:t>Order more</a:t>
+            </a:r>
+          </a:p>
+          <a:p>
+            <a:pPr lvl="1"/>
+            <a:r>
+              <a:rPr lang="en-US" dirty="0" smtClean="0"/>
+              <a:t>View Order</a:t>
+            </a:r>
+          </a:p>
+          <a:p>
+            <a:pPr lvl="1"/>
+            <a:r>
+              <a:rPr lang="en-US" dirty="0" smtClean="0"/>
+              <a:t>Reset</a:t>
+            </a:r>
+          </a:p>
+          <a:p>
+            <a:pPr lvl="1"/>
+            <a:r>
+              <a:rPr lang="en-US" dirty="0" smtClean="0"/>
+              <a:t>Back</a:t>
+            </a:r>
+          </a:p>
+          <a:p>
+            <a:r>
+              <a:rPr lang="en-US" dirty="0" smtClean="0"/>
+              <a:t>7. View Order</a:t>
+            </a:r>
+          </a:p>
+          <a:p>
+            <a:pPr lvl="1"/>
+            <a:r>
+              <a:rPr lang="en-US" dirty="0" smtClean="0"/>
+              <a:t>Pending Order</a:t>
+            </a:r>
+          </a:p>
+          <a:p>
+            <a:r>
+              <a:rPr lang="en-US" dirty="0" smtClean="0"/>
+              <a:t>8</a:t>
+            </a:r>
+            <a:r>
+              <a:rPr lang="en-US" smtClean="0"/>
+              <a:t>. </a:t>
+            </a:r>
+            <a:r>
+              <a:rPr lang="en-US" dirty="0" smtClean="0"/>
+              <a:t>Pending Order</a:t>
+            </a:r>
+          </a:p>
+          <a:p>
+            <a:pPr lvl="1"/>
+            <a:r>
+              <a:rPr lang="en-US" dirty="0" smtClean="0"/>
+              <a:t>Order Committed - Checkout – Payment Success</a:t>
+            </a:r>
+          </a:p>
+          <a:p>
+            <a:pPr lvl="1"/>
+            <a:r>
+              <a:rPr lang="en-US" dirty="0" smtClean="0"/>
+              <a:t>Delivery out of storage – Ready to receive product for user</a:t>
+            </a:r>
+          </a:p>
+          <a:p>
+            <a:pPr lvl="1"/>
+            <a:endParaRPr lang="en-US" dirty="0" smtClean="0"/>
+          </a:p>
+        </p:txBody>
+      </p:sp>
+    </p:spTree>
+  </p:cSld>
+  <p:clrMapOvr>
+    <a:masterClrMapping/>
+  </p:clrMapOvr>
+</p:sld>
+</file>
+
+<file path=ppt/slides/slide9.xml><?xml version="1.0" encoding="utf-8"?>
 <p:sld xmlns:a="http://schemas.openxmlformats.org/drawingml/2006/main" xmlns:r="http://schemas.openxmlformats.org/officeDocument/2006/relationships" xmlns:p="http://schemas.openxmlformats.org/presentationml/2006/main">
   <p:cSld>
     <p:spTree>
